--- a/data_folder/processed_data/presentation/Итоговые презентации 11 мая 2024 BIOINF Education.pptx
+++ b/data_folder/processed_data/presentation/Итоговые презентации 11 мая 2024 BIOINF Education.pptx
@@ -5702,10 +5702,10 @@
       </p:grpSpPr>
       <p:pic>
         <p:nvPicPr>
-          <p:cNvPr id="3" name="Рисунок 2" descr="Изображение выглядит как текст, снимок экрана, Красочность, Прямоугольник&#10;&#10;Автоматически созданное описание">
+          <p:cNvPr id="32" name="Рисунок 31">
             <a:extLst>
               <a:ext uri="{FF2B5EF4-FFF2-40B4-BE49-F238E27FC236}">
-                <a16:creationId xmlns:a16="http://schemas.microsoft.com/office/drawing/2014/main" id="{63E2427B-C6A3-4D91-9987-8BA09304D993}"/>
+                <a16:creationId xmlns:a16="http://schemas.microsoft.com/office/drawing/2014/main" id="{6951FBEF-4E34-4A29-8364-6BDC6829C97E}"/>
               </a:ext>
             </a:extLst>
           </p:cNvPr>
@@ -5714,15 +5714,16 @@
           </p:cNvPicPr>
           <p:nvPr/>
         </p:nvPicPr>
-        <p:blipFill rotWithShape="1">
+        <p:blipFill>
           <a:blip r:embed="rId3"/>
-          <a:srcRect t="1176" b="8105"/>
-          <a:stretch/>
+          <a:stretch>
+            <a:fillRect/>
+          </a:stretch>
         </p:blipFill>
         <p:spPr>
           <a:xfrm>
-            <a:off x="4130960" y="601275"/>
-            <a:ext cx="5006920" cy="4542225"/>
+            <a:off x="4230828" y="672278"/>
+            <a:ext cx="4847471" cy="4046400"/>
           </a:xfrm>
           <a:prstGeom prst="rect">
             <a:avLst/>
@@ -7049,10 +7050,10 @@
       </p:grpSpPr>
       <p:pic>
         <p:nvPicPr>
-          <p:cNvPr id="8" name="Рисунок 7" descr="Изображение выглядит как текст, снимок экрана, диаграмма&#10;&#10;Автоматически созданное описание">
+          <p:cNvPr id="19" name="Рисунок 18" descr="Изображение выглядит как текст, снимок экрана, Красочность, Прямоугольник&#10;&#10;Автоматически созданное описание">
             <a:extLst>
               <a:ext uri="{FF2B5EF4-FFF2-40B4-BE49-F238E27FC236}">
-                <a16:creationId xmlns:a16="http://schemas.microsoft.com/office/drawing/2014/main" id="{A615DDE8-4A62-498B-A7D9-467663FDA127}"/>
+                <a16:creationId xmlns:a16="http://schemas.microsoft.com/office/drawing/2014/main" id="{32953EBF-FB56-4C64-BE15-68EB0E18E4B0}"/>
               </a:ext>
             </a:extLst>
           </p:cNvPr>
@@ -7063,13 +7064,13 @@
         </p:nvPicPr>
         <p:blipFill rotWithShape="1">
           <a:blip r:embed="rId3"/>
-          <a:srcRect l="4992" t="5548" r="7397"/>
+          <a:srcRect b="7890"/>
           <a:stretch/>
         </p:blipFill>
         <p:spPr>
           <a:xfrm>
-            <a:off x="191620" y="392755"/>
-            <a:ext cx="8760759" cy="4750745"/>
+            <a:off x="4604248" y="1074420"/>
+            <a:ext cx="4349252" cy="4006100"/>
           </a:xfrm>
           <a:prstGeom prst="rect">
             <a:avLst/>
@@ -7152,6 +7153,193 @@
           </a:ln>
         </p:spPr>
       </p:pic>
+      <p:pic>
+        <p:nvPicPr>
+          <p:cNvPr id="22" name="Рисунок 21" descr="Изображение выглядит как текст, снимок экрана, Прямоугольник, Красочность&#10;&#10;Автоматически созданное описание">
+            <a:extLst>
+              <a:ext uri="{FF2B5EF4-FFF2-40B4-BE49-F238E27FC236}">
+                <a16:creationId xmlns:a16="http://schemas.microsoft.com/office/drawing/2014/main" id="{FB127A84-F9AF-4295-A4C3-BBDA166A5A99}"/>
+              </a:ext>
+            </a:extLst>
+          </p:cNvPr>
+          <p:cNvPicPr>
+            <a:picLocks noChangeAspect="1"/>
+          </p:cNvPicPr>
+          <p:nvPr/>
+        </p:nvPicPr>
+        <p:blipFill rotWithShape="1">
+          <a:blip r:embed="rId5"/>
+          <a:srcRect b="7890"/>
+          <a:stretch/>
+        </p:blipFill>
+        <p:spPr>
+          <a:xfrm>
+            <a:off x="0" y="1074420"/>
+            <a:ext cx="4349252" cy="4006100"/>
+          </a:xfrm>
+          <a:prstGeom prst="rect">
+            <a:avLst/>
+          </a:prstGeom>
+        </p:spPr>
+      </p:pic>
+      <p:sp>
+        <p:nvSpPr>
+          <p:cNvPr id="23" name="TextBox 22">
+            <a:extLst>
+              <a:ext uri="{FF2B5EF4-FFF2-40B4-BE49-F238E27FC236}">
+                <a16:creationId xmlns:a16="http://schemas.microsoft.com/office/drawing/2014/main" id="{94D1AB24-4D4F-4385-A1E8-C30A5D2366CF}"/>
+              </a:ext>
+            </a:extLst>
+          </p:cNvPr>
+          <p:cNvSpPr txBox="1"/>
+          <p:nvPr/>
+        </p:nvSpPr>
+        <p:spPr>
+          <a:xfrm>
+            <a:off x="-1" y="685095"/>
+            <a:ext cx="4343401" cy="461665"/>
+          </a:xfrm>
+          <a:prstGeom prst="rect">
+            <a:avLst/>
+          </a:prstGeom>
+          <a:noFill/>
+        </p:spPr>
+        <p:txBody>
+          <a:bodyPr wrap="square" rtlCol="0">
+            <a:spAutoFit/>
+          </a:bodyPr>
+          <a:lstStyle/>
+          <a:p>
+            <a:pPr algn="ctr"/>
+            <a:r>
+              <a:rPr lang="en-US" sz="1200" dirty="0">
+                <a:solidFill>
+                  <a:schemeClr val="dk1"/>
+                </a:solidFill>
+                <a:latin typeface="Montserrat"/>
+              </a:rPr>
+              <a:t>Cluster map of top-100 transcript with upregulation in expression</a:t>
+            </a:r>
+            <a:endParaRPr lang="ru-RU" sz="1200" dirty="0">
+              <a:solidFill>
+                <a:schemeClr val="dk1"/>
+              </a:solidFill>
+              <a:latin typeface="Montserrat"/>
+            </a:endParaRPr>
+          </a:p>
+        </p:txBody>
+      </p:sp>
+      <p:sp>
+        <p:nvSpPr>
+          <p:cNvPr id="34" name="TextBox 33">
+            <a:extLst>
+              <a:ext uri="{FF2B5EF4-FFF2-40B4-BE49-F238E27FC236}">
+                <a16:creationId xmlns:a16="http://schemas.microsoft.com/office/drawing/2014/main" id="{3526FF27-A379-490C-940C-0DC1CAE7EF77}"/>
+              </a:ext>
+            </a:extLst>
+          </p:cNvPr>
+          <p:cNvSpPr txBox="1"/>
+          <p:nvPr/>
+        </p:nvSpPr>
+        <p:spPr>
+          <a:xfrm>
+            <a:off x="4671906" y="685095"/>
+            <a:ext cx="4349252" cy="461665"/>
+          </a:xfrm>
+          <a:prstGeom prst="rect">
+            <a:avLst/>
+          </a:prstGeom>
+          <a:noFill/>
+        </p:spPr>
+        <p:txBody>
+          <a:bodyPr wrap="square" rtlCol="0">
+            <a:spAutoFit/>
+          </a:bodyPr>
+          <a:lstStyle/>
+          <a:p>
+            <a:pPr algn="ctr"/>
+            <a:r>
+              <a:rPr lang="en-US" sz="1200" dirty="0">
+                <a:solidFill>
+                  <a:schemeClr val="dk1"/>
+                </a:solidFill>
+                <a:latin typeface="Montserrat"/>
+              </a:rPr>
+              <a:t>Cluster map of top-100 transcript with downregulation in expression</a:t>
+            </a:r>
+            <a:endParaRPr lang="ru-RU" sz="1200" dirty="0">
+              <a:solidFill>
+                <a:schemeClr val="dk1"/>
+              </a:solidFill>
+              <a:latin typeface="Montserrat"/>
+            </a:endParaRPr>
+          </a:p>
+        </p:txBody>
+      </p:sp>
+      <p:sp>
+        <p:nvSpPr>
+          <p:cNvPr id="37" name="Google Shape;229;p56">
+            <a:extLst>
+              <a:ext uri="{FF2B5EF4-FFF2-40B4-BE49-F238E27FC236}">
+                <a16:creationId xmlns:a16="http://schemas.microsoft.com/office/drawing/2014/main" id="{C678E574-EA98-471C-A741-84BF45069FB7}"/>
+              </a:ext>
+            </a:extLst>
+          </p:cNvPr>
+          <p:cNvSpPr txBox="1">
+            <a:spLocks noGrp="1"/>
+          </p:cNvSpPr>
+          <p:nvPr>
+            <p:ph type="title"/>
+          </p:nvPr>
+        </p:nvSpPr>
+        <p:spPr>
+          <a:xfrm>
+            <a:off x="124811" y="161400"/>
+            <a:ext cx="2648869" cy="439876"/>
+          </a:xfrm>
+          <a:prstGeom prst="rect">
+            <a:avLst/>
+          </a:prstGeom>
+          <a:noFill/>
+        </p:spPr>
+        <p:txBody>
+          <a:bodyPr spcFirstLastPara="1" wrap="square" lIns="91425" tIns="91425" rIns="91425" bIns="91425" anchor="t" anchorCtr="0">
+            <a:noAutofit/>
+          </a:bodyPr>
+          <a:lstStyle/>
+          <a:p>
+            <a:pPr marL="0" lvl="0" indent="0" algn="l" rtl="0">
+              <a:spcBef>
+                <a:spcPts val="0"/>
+              </a:spcBef>
+              <a:spcAft>
+                <a:spcPts val="0"/>
+              </a:spcAft>
+              <a:buClr>
+                <a:schemeClr val="dk1"/>
+              </a:buClr>
+              <a:buSzPts val="3400"/>
+              <a:buFont typeface="Roboto Light"/>
+              <a:buNone/>
+            </a:pPr>
+            <a:r>
+              <a:rPr lang="en-US" sz="1600" b="1" dirty="0">
+                <a:latin typeface="Montserrat"/>
+                <a:ea typeface="Montserrat"/>
+                <a:cs typeface="Montserrat"/>
+                <a:sym typeface="Montserrat"/>
+              </a:rPr>
+              <a:t>Supplementary figures</a:t>
+            </a:r>
+            <a:endParaRPr sz="1600" b="1" dirty="0">
+              <a:latin typeface="Montserrat"/>
+              <a:ea typeface="Montserrat"/>
+              <a:cs typeface="Montserrat"/>
+              <a:sym typeface="Montserrat"/>
+            </a:endParaRPr>
+          </a:p>
+        </p:txBody>
+      </p:sp>
     </p:spTree>
     <p:extLst>
       <p:ext uri="{BB962C8B-B14F-4D97-AF65-F5344CB8AC3E}">
